--- a/AD_Final_Presentation.pptx
+++ b/AD_Final_Presentation.pptx
@@ -13251,7 +13251,7 @@
         </p:blipFill>
         <p:spPr bwMode="auto">
           <a:xfrm>
-            <a:off x="206640" y="1255021"/>
+            <a:off x="206640" y="1361037"/>
             <a:ext cx="5073748" cy="4215983"/>
           </a:xfrm>
           <a:prstGeom prst="rect">
@@ -13290,7 +13290,7 @@
         </p:blipFill>
         <p:spPr>
           <a:xfrm>
-            <a:off x="6686844" y="1264737"/>
+            <a:off x="6686844" y="1370753"/>
             <a:ext cx="5073748" cy="4215983"/>
           </a:xfrm>
           <a:prstGeom prst="rect">
@@ -13319,7 +13319,7 @@
         </p:blipFill>
         <p:spPr>
           <a:xfrm>
-            <a:off x="7475064" y="1653901"/>
+            <a:off x="7475064" y="1720161"/>
             <a:ext cx="1348913" cy="430409"/>
           </a:xfrm>
           <a:prstGeom prst="rect">
@@ -13354,7 +13354,7 @@
         </p:blipFill>
         <p:spPr bwMode="auto">
           <a:xfrm>
-            <a:off x="5204875" y="1480867"/>
+            <a:off x="5204875" y="1586883"/>
             <a:ext cx="1203826" cy="676073"/>
           </a:xfrm>
           <a:prstGeom prst="rect">

--- a/AD_Final_Presentation.pptx
+++ b/AD_Final_Presentation.pptx
@@ -305,7 +305,7 @@
           <a:p>
             <a:fld id="{02AC24A9-CCB6-4F8D-B8DB-C2F3692CFA5A}" type="datetimeFigureOut">
               <a:rPr lang="en-US" smtClean="0"/>
-              <a:t>01/02/2020</a:t>
+              <a:t>1/2/2020</a:t>
             </a:fld>
             <a:endParaRPr lang="en-US" dirty="0"/>
           </a:p>
@@ -675,7 +675,7 @@
           <a:p>
             <a:fld id="{02AC24A9-CCB6-4F8D-B8DB-C2F3692CFA5A}" type="datetimeFigureOut">
               <a:rPr lang="en-US" smtClean="0"/>
-              <a:t>01/02/2020</a:t>
+              <a:t>1/2/2020</a:t>
             </a:fld>
             <a:endParaRPr lang="en-US"/>
           </a:p>
@@ -884,7 +884,7 @@
           <a:p>
             <a:fld id="{02AC24A9-CCB6-4F8D-B8DB-C2F3692CFA5A}" type="datetimeFigureOut">
               <a:rPr lang="en-US" smtClean="0"/>
-              <a:t>01/02/2020</a:t>
+              <a:t>1/2/2020</a:t>
             </a:fld>
             <a:endParaRPr lang="en-US"/>
           </a:p>
@@ -1354,7 +1354,7 @@
           <a:p>
             <a:fld id="{02AC24A9-CCB6-4F8D-B8DB-C2F3692CFA5A}" type="datetimeFigureOut">
               <a:rPr lang="en-US" smtClean="0"/>
-              <a:t>01/02/2020</a:t>
+              <a:t>1/2/2020</a:t>
             </a:fld>
             <a:endParaRPr lang="en-US"/>
           </a:p>
@@ -1808,7 +1808,7 @@
           <a:p>
             <a:fld id="{02AC24A9-CCB6-4F8D-B8DB-C2F3692CFA5A}" type="datetimeFigureOut">
               <a:rPr lang="en-US" smtClean="0"/>
-              <a:t>01/02/2020</a:t>
+              <a:t>1/2/2020</a:t>
             </a:fld>
             <a:endParaRPr lang="en-US"/>
           </a:p>
@@ -2340,7 +2340,7 @@
           <a:p>
             <a:fld id="{02AC24A9-CCB6-4F8D-B8DB-C2F3692CFA5A}" type="datetimeFigureOut">
               <a:rPr lang="en-US" smtClean="0"/>
-              <a:t>01/02/2020</a:t>
+              <a:t>1/2/2020</a:t>
             </a:fld>
             <a:endParaRPr lang="en-US"/>
           </a:p>
@@ -3039,7 +3039,7 @@
           <a:p>
             <a:fld id="{02AC24A9-CCB6-4F8D-B8DB-C2F3692CFA5A}" type="datetimeFigureOut">
               <a:rPr lang="en-US" smtClean="0"/>
-              <a:t>01/02/2020</a:t>
+              <a:t>1/2/2020</a:t>
             </a:fld>
             <a:endParaRPr lang="en-US"/>
           </a:p>
@@ -3368,7 +3368,7 @@
           <a:p>
             <a:fld id="{02AC24A9-CCB6-4F8D-B8DB-C2F3692CFA5A}" type="datetimeFigureOut">
               <a:rPr lang="en-US" smtClean="0"/>
-              <a:t>01/02/2020</a:t>
+              <a:t>1/2/2020</a:t>
             </a:fld>
             <a:endParaRPr lang="en-US"/>
           </a:p>
@@ -3481,7 +3481,7 @@
           <a:p>
             <a:fld id="{02AC24A9-CCB6-4F8D-B8DB-C2F3692CFA5A}" type="datetimeFigureOut">
               <a:rPr lang="en-US" smtClean="0"/>
-              <a:t>01/02/2020</a:t>
+              <a:t>1/2/2020</a:t>
             </a:fld>
             <a:endParaRPr lang="en-US"/>
           </a:p>
@@ -3976,7 +3976,7 @@
           <a:p>
             <a:fld id="{02AC24A9-CCB6-4F8D-B8DB-C2F3692CFA5A}" type="datetimeFigureOut">
               <a:rPr lang="en-US" smtClean="0"/>
-              <a:t>01/02/2020</a:t>
+              <a:t>1/2/2020</a:t>
             </a:fld>
             <a:endParaRPr lang="en-US" dirty="0"/>
           </a:p>
@@ -4453,7 +4453,7 @@
           <a:p>
             <a:fld id="{02AC24A9-CCB6-4F8D-B8DB-C2F3692CFA5A}" type="datetimeFigureOut">
               <a:rPr lang="en-US" smtClean="0"/>
-              <a:t>01/02/2020</a:t>
+              <a:t>1/2/2020</a:t>
             </a:fld>
             <a:endParaRPr lang="en-US"/>
           </a:p>
@@ -4696,7 +4696,7 @@
           <a:p>
             <a:fld id="{02AC24A9-CCB6-4F8D-B8DB-C2F3692CFA5A}" type="datetimeFigureOut">
               <a:rPr lang="en-US" smtClean="0"/>
-              <a:t>01/02/2020</a:t>
+              <a:t>1/2/2020</a:t>
             </a:fld>
             <a:endParaRPr lang="en-US"/>
           </a:p>
@@ -23540,7 +23540,7 @@
         </p:nvSpPr>
         <p:spPr>
           <a:xfrm>
-            <a:off x="8494644" y="6309360"/>
+            <a:off x="7570305" y="5057029"/>
             <a:ext cx="2513830" cy="369332"/>
           </a:xfrm>
           <a:prstGeom prst="rect">
@@ -23627,6 +23627,48 @@
               <a:rPr lang="en-US" dirty="0"/>
               <a:t>Better Early than Late</a:t>
             </a:r>
+          </a:p>
+        </p:txBody>
+      </p:sp>
+      <p:sp>
+        <p:nvSpPr>
+          <p:cNvPr id="2" name="TextBox 1">
+            <a:extLst>
+              <a:ext uri="{FF2B5EF4-FFF2-40B4-BE49-F238E27FC236}">
+                <a16:creationId xmlns:a16="http://schemas.microsoft.com/office/drawing/2014/main" id="{886BFA45-DDE8-4E2D-9404-86FC2866986C}"/>
+              </a:ext>
+            </a:extLst>
+          </p:cNvPr>
+          <p:cNvSpPr txBox="1"/>
+          <p:nvPr/>
+        </p:nvSpPr>
+        <p:spPr>
+          <a:xfrm>
+            <a:off x="1115568" y="6309360"/>
+            <a:ext cx="8648137" cy="369332"/>
+          </a:xfrm>
+          <a:prstGeom prst="rect">
+            <a:avLst/>
+          </a:prstGeom>
+          <a:noFill/>
+        </p:spPr>
+        <p:txBody>
+          <a:bodyPr wrap="none" rtlCol="0">
+            <a:spAutoFit/>
+          </a:bodyPr>
+          <a:lstStyle/>
+          <a:p>
+            <a:r>
+              <a:rPr lang="en-US" dirty="0"/>
+              <a:t>Full project available at </a:t>
+            </a:r>
+            <a:r>
+              <a:rPr lang="en-US" dirty="0">
+                <a:hlinkClick r:id="rId3"/>
+              </a:rPr>
+              <a:t>https://github.com/chuktuk/Alzheimers_Disease_Analysis</a:t>
+            </a:r>
+            <a:endParaRPr lang="en-US" dirty="0"/>
           </a:p>
         </p:txBody>
       </p:sp>
